--- a/slides/Tag-1_2-Git_Light.pptx
+++ b/slides/Tag-1_2-Git_Light.pptx
@@ -2334,7 +2334,7 @@
               <a:pPr algn="ctr">
                 <a:defRPr/>
               </a:pPr>
-              <a:t>09.06.2024</a:t>
+              <a:t>10.06.2024</a:t>
             </a:fld>
             <a:endParaRPr lang="de-DE" sz="1000" dirty="0">
               <a:solidFill>
@@ -4441,7 +4441,7 @@
               <a:pPr algn="ctr">
                 <a:defRPr/>
               </a:pPr>
-              <a:t>09.06.2024</a:t>
+              <a:t>10.06.2024</a:t>
             </a:fld>
             <a:endParaRPr lang="de-DE" sz="1000" dirty="0">
               <a:solidFill>
@@ -5896,7 +5896,7 @@
               <a:pPr algn="ctr">
                 <a:defRPr/>
               </a:pPr>
-              <a:t>09.06.2024</a:t>
+              <a:t>10.06.2024</a:t>
             </a:fld>
             <a:endParaRPr lang="de-DE" sz="1000">
               <a:solidFill>
@@ -20674,7 +20674,7 @@
               <a:rPr lang="de-DE" altLang="de-DE" dirty="0">
                 <a:latin typeface="Consolas" panose="020B0609020204030204" pitchFamily="49" charset="0"/>
               </a:rPr>
-              <a:t>*/</a:t>
+              <a:t>**/</a:t>
             </a:r>
             <a:r>
               <a:rPr lang="de-DE" altLang="de-DE" dirty="0" err="1">
@@ -20700,7 +20700,7 @@
               <a:rPr lang="de-DE" altLang="de-DE" dirty="0">
                 <a:latin typeface="Consolas" panose="020B0609020204030204" pitchFamily="49" charset="0"/>
               </a:rPr>
-              <a:t>*/bin/</a:t>
+              <a:t>**/bin/</a:t>
             </a:r>
           </a:p>
           <a:p>
@@ -28145,7 +28145,7 @@
             </a:r>
             <a:r>
               <a:rPr lang="de-DE" altLang="de-DE" dirty="0"/>
-              <a:t> hier leer sein.</a:t>
+              <a:t> hier leer bzw. nicht vorhanden sein.</a:t>
             </a:r>
           </a:p>
           <a:p>
@@ -30931,7 +30931,7 @@
             </a:pPr>
             <a:r>
               <a:rPr lang="de-DE" altLang="de-DE" dirty="0"/>
-              <a:t>Legen Sie im Ordner </a:t>
+              <a:t>Legen Sie erneut den Ordner </a:t>
             </a:r>
             <a:r>
               <a:rPr lang="de-DE" altLang="de-DE" dirty="0" err="1">
@@ -30943,7 +30943,7 @@
             </a:r>
             <a:r>
               <a:rPr lang="de-DE" altLang="de-DE" dirty="0"/>
-              <a:t> eine Datei </a:t>
+              <a:t>, sowie eine Datei </a:t>
             </a:r>
             <a:r>
               <a:rPr lang="de-DE" altLang="de-DE" dirty="0">
@@ -30989,7 +30989,7 @@
             </a:r>
             <a:r>
               <a:rPr lang="de-DE" altLang="de-DE" dirty="0"/>
-              <a:t> Ordner ist hier immer noch leer.</a:t>
+              <a:t> Ordner ist hier immer noch leer bzw. nicht vorhanden.</a:t>
             </a:r>
           </a:p>
           <a:p>

--- a/slides/Tag-1_2-Git_Light.pptx
+++ b/slides/Tag-1_2-Git_Light.pptx
@@ -3893,6 +3893,42 @@
           </a:p>
         </p:txBody>
       </p:sp>
+      <p:pic>
+        <p:nvPicPr>
+          <p:cNvPr id="2" name="Grafik 1">
+            <a:extLst>
+              <a:ext uri="{FF2B5EF4-FFF2-40B4-BE49-F238E27FC236}">
+                <a16:creationId xmlns:a16="http://schemas.microsoft.com/office/drawing/2014/main" id="{B9492334-3531-D057-93A1-E788A9F4EDC5}"/>
+              </a:ext>
+            </a:extLst>
+          </p:cNvPr>
+          <p:cNvPicPr>
+            <a:picLocks noChangeAspect="1"/>
+          </p:cNvPicPr>
+          <p:nvPr userDrawn="1"/>
+        </p:nvPicPr>
+        <p:blipFill>
+          <a:blip r:embed="rId5">
+            <a:extLst>
+              <a:ext uri="{28A0092B-C50C-407E-A947-70E740481C1C}">
+                <a14:useLocalDpi xmlns:a14="http://schemas.microsoft.com/office/drawing/2010/main" val="0"/>
+              </a:ext>
+            </a:extLst>
+          </a:blip>
+          <a:stretch>
+            <a:fillRect/>
+          </a:stretch>
+        </p:blipFill>
+        <p:spPr>
+          <a:xfrm>
+            <a:off x="3383868" y="4481736"/>
+            <a:ext cx="2376264" cy="2376264"/>
+          </a:xfrm>
+          <a:prstGeom prst="rect">
+            <a:avLst/>
+          </a:prstGeom>
+        </p:spPr>
+      </p:pic>
     </p:spTree>
   </p:cSld>
   <p:clrMap bg1="lt1" tx1="dk1" bg2="lt2" tx2="dk2" accent1="accent1" accent2="accent2" accent3="accent3" accent4="accent4" accent5="accent5" accent6="accent6" hlink="hlink" folHlink="folHlink"/>

--- a/slides/Tag-1_2-Git_Light.pptx
+++ b/slides/Tag-1_2-Git_Light.pptx
@@ -2335,7 +2335,7 @@
               <a:pPr algn="ctr">
                 <a:defRPr/>
               </a:pPr>
-              <a:t>10.06.2024</a:t>
+              <a:t>11.06.2024</a:t>
             </a:fld>
             <a:endParaRPr lang="de-DE" sz="1000" dirty="0">
               <a:solidFill>
@@ -3184,6 +3184,42 @@
           </a:p>
         </p:txBody>
       </p:sp>
+      <p:pic>
+        <p:nvPicPr>
+          <p:cNvPr id="3" name="Grafik 2">
+            <a:extLst>
+              <a:ext uri="{FF2B5EF4-FFF2-40B4-BE49-F238E27FC236}">
+                <a16:creationId xmlns:a16="http://schemas.microsoft.com/office/drawing/2014/main" id="{FD9EA3A8-24AF-E68B-449B-26C6E1A73388}"/>
+              </a:ext>
+            </a:extLst>
+          </p:cNvPr>
+          <p:cNvPicPr>
+            <a:picLocks noChangeAspect="1"/>
+          </p:cNvPicPr>
+          <p:nvPr userDrawn="1"/>
+        </p:nvPicPr>
+        <p:blipFill>
+          <a:blip r:embed="rId7">
+            <a:extLst>
+              <a:ext uri="{28A0092B-C50C-407E-A947-70E740481C1C}">
+                <a14:useLocalDpi xmlns:a14="http://schemas.microsoft.com/office/drawing/2010/main" val="0"/>
+              </a:ext>
+            </a:extLst>
+          </a:blip>
+          <a:stretch>
+            <a:fillRect/>
+          </a:stretch>
+        </p:blipFill>
+        <p:spPr>
+          <a:xfrm>
+            <a:off x="8486775" y="-15729"/>
+            <a:ext cx="636272" cy="636272"/>
+          </a:xfrm>
+          <a:prstGeom prst="rect">
+            <a:avLst/>
+          </a:prstGeom>
+        </p:spPr>
+      </p:pic>
     </p:spTree>
   </p:cSld>
   <p:clrMap bg1="lt1" tx1="dk1" bg2="lt2" tx2="dk2" accent1="accent1" accent2="accent2" accent3="accent3" accent4="accent4" accent5="accent5" accent6="accent6" hlink="hlink" folHlink="folHlink"/>
@@ -4469,7 +4505,7 @@
               <a:pPr algn="ctr">
                 <a:defRPr/>
               </a:pPr>
-              <a:t>10.06.2024</a:t>
+              <a:t>11.06.2024</a:t>
             </a:fld>
             <a:endParaRPr lang="de-DE" sz="1000" dirty="0">
               <a:solidFill>
@@ -5318,6 +5354,42 @@
           </a:p>
         </p:txBody>
       </p:sp>
+      <p:pic>
+        <p:nvPicPr>
+          <p:cNvPr id="3" name="Grafik 2">
+            <a:extLst>
+              <a:ext uri="{FF2B5EF4-FFF2-40B4-BE49-F238E27FC236}">
+                <a16:creationId xmlns:a16="http://schemas.microsoft.com/office/drawing/2014/main" id="{EF01D08C-921E-CE2D-477C-F8F450AE42FC}"/>
+              </a:ext>
+            </a:extLst>
+          </p:cNvPr>
+          <p:cNvPicPr>
+            <a:picLocks noChangeAspect="1"/>
+          </p:cNvPicPr>
+          <p:nvPr userDrawn="1"/>
+        </p:nvPicPr>
+        <p:blipFill>
+          <a:blip r:embed="rId7">
+            <a:extLst>
+              <a:ext uri="{28A0092B-C50C-407E-A947-70E740481C1C}">
+                <a14:useLocalDpi xmlns:a14="http://schemas.microsoft.com/office/drawing/2010/main" val="0"/>
+              </a:ext>
+            </a:extLst>
+          </a:blip>
+          <a:stretch>
+            <a:fillRect/>
+          </a:stretch>
+        </p:blipFill>
+        <p:spPr>
+          <a:xfrm>
+            <a:off x="8486775" y="-15729"/>
+            <a:ext cx="636272" cy="636272"/>
+          </a:xfrm>
+          <a:prstGeom prst="rect">
+            <a:avLst/>
+          </a:prstGeom>
+        </p:spPr>
+      </p:pic>
     </p:spTree>
     <p:extLst>
       <p:ext uri="{BB962C8B-B14F-4D97-AF65-F5344CB8AC3E}">
@@ -5915,7 +5987,7 @@
               <a:pPr algn="ctr">
                 <a:defRPr/>
               </a:pPr>
-              <a:t>10.06.2024</a:t>
+              <a:t>11.06.2024</a:t>
             </a:fld>
             <a:endParaRPr lang="de-DE" sz="1000">
               <a:solidFill>
@@ -6764,6 +6836,42 @@
           </a:p>
         </p:txBody>
       </p:sp>
+      <p:pic>
+        <p:nvPicPr>
+          <p:cNvPr id="3" name="Grafik 2">
+            <a:extLst>
+              <a:ext uri="{FF2B5EF4-FFF2-40B4-BE49-F238E27FC236}">
+                <a16:creationId xmlns:a16="http://schemas.microsoft.com/office/drawing/2014/main" id="{AB452D19-14EC-D005-1F32-A05BA4033640}"/>
+              </a:ext>
+            </a:extLst>
+          </p:cNvPr>
+          <p:cNvPicPr>
+            <a:picLocks noChangeAspect="1"/>
+          </p:cNvPicPr>
+          <p:nvPr userDrawn="1"/>
+        </p:nvPicPr>
+        <p:blipFill>
+          <a:blip r:embed="rId7">
+            <a:extLst>
+              <a:ext uri="{28A0092B-C50C-407E-A947-70E740481C1C}">
+                <a14:useLocalDpi xmlns:a14="http://schemas.microsoft.com/office/drawing/2010/main" val="0"/>
+              </a:ext>
+            </a:extLst>
+          </a:blip>
+          <a:stretch>
+            <a:fillRect/>
+          </a:stretch>
+        </p:blipFill>
+        <p:spPr>
+          <a:xfrm>
+            <a:off x="8486775" y="-15729"/>
+            <a:ext cx="636272" cy="636272"/>
+          </a:xfrm>
+          <a:prstGeom prst="rect">
+            <a:avLst/>
+          </a:prstGeom>
+        </p:spPr>
+      </p:pic>
     </p:spTree>
     <p:extLst>
       <p:ext uri="{BB962C8B-B14F-4D97-AF65-F5344CB8AC3E}">

--- a/slides/Tag-1_2-Git_Light.pptx
+++ b/slides/Tag-1_2-Git_Light.pptx
@@ -8497,7 +8497,7 @@
           <a:p>
             <a:r>
               <a:rPr lang="de-DE" altLang="de-DE" dirty="0"/>
-              <a:t>Am weitesten verbreitete Versionsverwaltung</a:t>
+              <a:t>Heute die am weitesten verbreitete Versionsverwaltung</a:t>
             </a:r>
           </a:p>
           <a:p>
@@ -8712,7 +8712,7 @@
             </a:r>
             <a:r>
               <a:rPr lang="de-DE" altLang="de-DE" dirty="0"/>
-              <a:t> lässt sich als DVCS auch ausschließlich lokal Betreiben</a:t>
+              <a:t> lässt sich als DVCS auch ausschließlich lokal betreiben</a:t>
             </a:r>
           </a:p>
           <a:p>
@@ -9659,7 +9659,7 @@
               <a:rPr lang="de-DE" altLang="de-DE" dirty="0">
                 <a:latin typeface="Consolas" panose="020B0609020204030204" pitchFamily="49" charset="0"/>
               </a:rPr>
-              <a:t> --version </a:t>
+              <a:t> -v </a:t>
             </a:r>
             <a:endParaRPr lang="de-DE" altLang="de-DE" dirty="0"/>
           </a:p>
@@ -9964,7 +9964,7 @@
             <a:pPr lvl="2"/>
             <a:r>
               <a:rPr lang="de-DE" altLang="de-DE" dirty="0"/>
-              <a:t>C:\User\&lt;User&gt;\.gitconifg (Windows)</a:t>
+              <a:t>C:\User\&lt;User&gt;\.gitconfig (Windows)</a:t>
             </a:r>
           </a:p>
           <a:p>
@@ -10144,12 +10144,14 @@
               </a:rPr>
               <a:t>origin</a:t>
             </a:r>
-            <a:r>
-              <a:rPr lang="de-DE" altLang="de-DE" dirty="0">
-                <a:latin typeface="Consolas" panose="020B0609020204030204" pitchFamily="49" charset="0"/>
-              </a:rPr>
-              <a:t> </a:t>
-            </a:r>
+            <a:endParaRPr lang="de-DE" altLang="de-DE" dirty="0">
+              <a:latin typeface="Consolas" panose="020B0609020204030204" pitchFamily="49" charset="0"/>
+            </a:endParaRPr>
+          </a:p>
+          <a:p>
+            <a:pPr marL="0" indent="0">
+              <a:buNone/>
+            </a:pPr>
             <a:endParaRPr lang="de-DE" altLang="de-DE" dirty="0"/>
           </a:p>
           <a:p>
@@ -10177,7 +10179,7 @@
             <a:pPr lvl="1"/>
             <a:r>
               <a:rPr lang="de-DE" altLang="de-DE" dirty="0"/>
-              <a:t>Autorinformation, die </a:t>
+              <a:t>Informationen, die </a:t>
             </a:r>
             <a:r>
               <a:rPr lang="de-DE" altLang="de-DE" dirty="0" err="1"/>
@@ -10185,7 +10187,7 @@
             </a:r>
             <a:r>
               <a:rPr lang="de-DE" altLang="de-DE" dirty="0"/>
-              <a:t> bei Änderungen beifügt </a:t>
+              <a:t> bei jeder Änderung beifügt </a:t>
             </a:r>
           </a:p>
           <a:p>
@@ -10779,7 +10781,7 @@
               <a:rPr lang="de-DE" altLang="de-DE" dirty="0">
                 <a:latin typeface="Consolas" panose="020B0609020204030204" pitchFamily="49" charset="0"/>
               </a:rPr>
-              <a:t> --version</a:t>
+              <a:t> -v</a:t>
             </a:r>
           </a:p>
           <a:p>
@@ -10821,7 +10823,7 @@
               <a:rPr lang="de-DE" altLang="de-DE" dirty="0">
                 <a:latin typeface="Consolas" panose="020B0609020204030204" pitchFamily="49" charset="0"/>
               </a:rPr>
-              <a:t> --version</a:t>
+              <a:t> -v</a:t>
             </a:r>
           </a:p>
           <a:p>
@@ -10879,7 +10881,7 @@
             </a:pPr>
             <a:r>
               <a:rPr lang="de-DE" altLang="de-DE" dirty="0"/>
-              <a:t>Wenn keine aktuelle Version installiert ist, folgen Sie der Anleitung auf </a:t>
+              <a:t>Falls keine aktuelle Version installiert ist, folgen Sie der Anleitung auf </a:t>
             </a:r>
             <a:r>
               <a:rPr lang="de-DE" altLang="de-DE" dirty="0">
@@ -10899,7 +10901,7 @@
             </a:pPr>
             <a:r>
               <a:rPr lang="de-DE" altLang="de-DE" dirty="0"/>
-              <a:t>Falls noch nicht geschehen, setzen mit dem folgenden Befehl Ihren globalen Namen sowie Ihre E-Mail</a:t>
+              <a:t>Falls noch nicht geschehen, setzen Sie mit dem folgenden Befehl Ihren globalen Namen sowie Ihre E-Mail</a:t>
             </a:r>
           </a:p>
           <a:p>
@@ -11181,21 +11183,21 @@
           <a:p>
             <a:r>
               <a:rPr lang="de-DE" altLang="de-DE" dirty="0"/>
-              <a:t>Hauptordner wird auch als Workspace bezeichnet</a:t>
-            </a:r>
-          </a:p>
-          <a:p>
-            <a:r>
-              <a:rPr lang="de-DE" altLang="de-DE" dirty="0"/>
-              <a:t>Ordner und Inhalt mittels </a:t>
-            </a:r>
-            <a:r>
-              <a:rPr lang="de-DE" altLang="de-DE" dirty="0" err="1"/>
-              <a:t>Git</a:t>
-            </a:r>
-            <a:r>
-              <a:rPr lang="de-DE" altLang="de-DE" dirty="0"/>
-              <a:t> versionieren</a:t>
+              <a:t>Hauptordner wird auch als </a:t>
+            </a:r>
+            <a:r>
+              <a:rPr lang="de-DE" altLang="de-DE" i="1" dirty="0"/>
+              <a:t>Workspace</a:t>
+            </a:r>
+            <a:r>
+              <a:rPr lang="de-DE" altLang="de-DE" dirty="0"/>
+              <a:t> bezeichnet</a:t>
+            </a:r>
+          </a:p>
+          <a:p>
+            <a:r>
+              <a:rPr lang="de-DE" altLang="de-DE" dirty="0"/>
+              <a:t>Neues Projekt anlegen</a:t>
             </a:r>
           </a:p>
           <a:p>
@@ -11243,7 +11245,15 @@
             </a:r>
             <a:r>
               <a:rPr lang="de-DE" altLang="de-DE" dirty="0"/>
-              <a:t> wird angelegt, indem sich das Repository befindet</a:t>
+              <a:t> wird angelegt, indem sich das </a:t>
+            </a:r>
+            <a:r>
+              <a:rPr lang="de-DE" altLang="de-DE" i="1" dirty="0"/>
+              <a:t>Repository</a:t>
+            </a:r>
+            <a:r>
+              <a:rPr lang="de-DE" altLang="de-DE" dirty="0"/>
+              <a:t> befindet</a:t>
             </a:r>
             <a:endParaRPr lang="de-DE" altLang="de-DE" i="1" dirty="0"/>
           </a:p>
@@ -11379,7 +11389,7 @@
             </a:pPr>
             <a:r>
               <a:rPr lang="de-DE" b="1" dirty="0"/>
-              <a:t>Beispiel </a:t>
+              <a:t>Beispiel: </a:t>
             </a:r>
             <a:r>
               <a:rPr lang="de-DE" dirty="0"/>
@@ -12839,7 +12849,7 @@
             </a:r>
             <a:r>
               <a:rPr lang="en-US" altLang="de-DE" dirty="0" err="1"/>
-              <a:t>folgenden</a:t>
+              <a:t>Folgenden</a:t>
             </a:r>
             <a:r>
               <a:rPr lang="en-US" altLang="de-DE" dirty="0"/>
@@ -13410,7 +13420,7 @@
           <a:p>
             <a:r>
               <a:rPr lang="de-DE" altLang="de-DE" dirty="0"/>
-              <a:t>Dadurch können nur nicht-leere Ordner mit im Repository aufgenommen werden</a:t>
+              <a:t>Dadurch können nur nicht-leere Ordner ins Repository aufgenommen werden</a:t>
             </a:r>
           </a:p>
         </p:txBody>
@@ -13513,19 +13523,11 @@
             </a:pPr>
             <a:r>
               <a:rPr lang="de-DE" altLang="de-DE" b="1" dirty="0"/>
-              <a:t>Beispiel</a:t>
-            </a:r>
-            <a:r>
-              <a:rPr lang="de-DE" altLang="de-DE" dirty="0"/>
-              <a:t> Kein </a:t>
-            </a:r>
-            <a:r>
-              <a:rPr lang="de-DE" altLang="de-DE" dirty="0" err="1"/>
-              <a:t>tracking</a:t>
-            </a:r>
-            <a:r>
-              <a:rPr lang="de-DE" altLang="de-DE" dirty="0"/>
-              <a:t> von leeren Ordnern</a:t>
+              <a:t>Beispiel:</a:t>
+            </a:r>
+            <a:r>
+              <a:rPr lang="de-DE" altLang="de-DE" dirty="0"/>
+              <a:t> Kein Tracking von leeren Ordnern</a:t>
             </a:r>
             <a:endParaRPr lang="de-DE" altLang="de-DE" b="1" dirty="0"/>
           </a:p>
@@ -14285,11 +14287,15 @@
             </a:pPr>
             <a:r>
               <a:rPr lang="de-DE" altLang="de-DE" b="1" dirty="0"/>
-              <a:t>Beispiel </a:t>
-            </a:r>
-            <a:r>
-              <a:rPr lang="de-DE" altLang="de-DE" dirty="0"/>
-              <a:t>Tracking mit Dummy File</a:t>
+              <a:t>Beispiel:</a:t>
+            </a:r>
+            <a:r>
+              <a:rPr lang="de-DE" altLang="de-DE" dirty="0"/>
+              <a:t> Explizites Tracking mit .</a:t>
+            </a:r>
+            <a:r>
+              <a:rPr lang="de-DE" altLang="de-DE" dirty="0" err="1"/>
+              <a:t>gitkeep</a:t>
             </a:r>
             <a:endParaRPr lang="de-DE" altLang="de-DE" b="1" dirty="0"/>
           </a:p>
@@ -15118,7 +15124,7 @@
           <a:p>
             <a:r>
               <a:rPr lang="de-DE" altLang="de-DE" dirty="0"/>
-              <a:t>Ein Commit speichert aktuellen Zustand der zum Commit angemeldeten Dateien im Repository</a:t>
+              <a:t>Ein Commit speichert aktuellen Zustand zum Commit vorgemerkter Dateien im Repository</a:t>
             </a:r>
           </a:p>
           <a:p>
@@ -15163,7 +15169,7 @@
           <a:p>
             <a:r>
               <a:rPr lang="de-DE" altLang="de-DE" dirty="0"/>
-              <a:t>Beispiel</a:t>
+              <a:t>Beispiel:</a:t>
             </a:r>
             <a:endParaRPr lang="en-US" altLang="de-DE" sz="1200" dirty="0">
               <a:latin typeface="Consolas" panose="020B0609020204030204" pitchFamily="49" charset="0"/>
@@ -15713,7 +15719,7 @@
               <a:t>Änderungen an Dateien müssen für den nächsten Commit </a:t>
             </a:r>
             <a:r>
-              <a:rPr lang="de-DE" dirty="0" err="1"/>
+              <a:rPr lang="de-DE" i="1" dirty="0" err="1"/>
               <a:t>gestaged</a:t>
             </a:r>
             <a:r>
@@ -15895,7 +15901,7 @@
             </a:pPr>
             <a:r>
               <a:rPr lang="de-DE" altLang="de-DE" b="1" dirty="0"/>
-              <a:t>Beispiel</a:t>
+              <a:t>Beispiel:</a:t>
             </a:r>
             <a:endParaRPr lang="en-US" altLang="de-DE" sz="1200" b="1" dirty="0">
               <a:latin typeface="Consolas" panose="020B0609020204030204" pitchFamily="49" charset="0"/>
@@ -16591,7 +16597,15 @@
             </a:pPr>
             <a:r>
               <a:rPr lang="de-DE" altLang="de-DE" dirty="0"/>
-              <a:t>Committen Sie nun Ihre hinzugefügte Datei mit der Commit-Nachricht „Add file1.txt </a:t>
+              <a:t>Committen Sie nun Ihre hinzugefügte Datei mit der Commit-Nachricht „</a:t>
+            </a:r>
+            <a:r>
+              <a:rPr lang="de-DE" altLang="de-DE" dirty="0" err="1"/>
+              <a:t>Added</a:t>
+            </a:r>
+            <a:r>
+              <a:rPr lang="de-DE" altLang="de-DE" dirty="0"/>
+              <a:t> file1.txt </a:t>
             </a:r>
             <a:r>
               <a:rPr lang="de-DE" altLang="de-DE" dirty="0" err="1"/>
@@ -16716,7 +16730,7 @@
             </a:pPr>
             <a:r>
               <a:rPr lang="de-DE" altLang="de-DE" dirty="0"/>
-              <a:t>Erstellen Sie einen zweiten Commit um die Änderungen an </a:t>
+              <a:t>Erstellen Sie einen zweiten Commit, um die Änderungen an </a:t>
             </a:r>
             <a:r>
               <a:rPr lang="de-DE" altLang="de-DE" dirty="0">
@@ -16875,7 +16889,7 @@
           <a:p>
             <a:r>
               <a:rPr lang="de-DE" altLang="de-DE" dirty="0"/>
-              <a:t>Beispiel</a:t>
+              <a:t>Beispiel:</a:t>
             </a:r>
             <a:endParaRPr lang="en-US" altLang="de-DE" sz="1200" dirty="0">
               <a:latin typeface="Consolas" panose="020B0609020204030204" pitchFamily="49" charset="0"/>
@@ -18030,7 +18044,7 @@
           <a:p>
             <a:r>
               <a:rPr lang="de-DE" altLang="de-DE" kern="0" dirty="0"/>
-              <a:t>Beispiel</a:t>
+              <a:t>Beispiel:</a:t>
             </a:r>
           </a:p>
           <a:p>
@@ -19299,7 +19313,7 @@
             </a:pPr>
             <a:r>
               <a:rPr lang="de-DE" altLang="de-DE" b="1" kern="0" dirty="0"/>
-              <a:t>Grundlegende </a:t>
+              <a:t>Weitere </a:t>
             </a:r>
             <a:r>
               <a:rPr lang="de-DE" altLang="de-DE" b="1" kern="0" dirty="0" err="1"/>
@@ -20710,7 +20724,7 @@
             </a:r>
             <a:r>
               <a:rPr lang="de-DE" altLang="de-DE" dirty="0"/>
-              <a:t> ignorierte Ordner oder Dateien</a:t>
+              <a:t> zu ignorierende Verzeichnisse oder Dateien</a:t>
             </a:r>
           </a:p>
           <a:p>
@@ -20773,7 +20787,7 @@
           <a:p>
             <a:r>
               <a:rPr lang="de-DE" altLang="de-DE" dirty="0"/>
-              <a:t>Ordner/Dateien können über </a:t>
+              <a:t>Verzeichnisse/Dateien können über </a:t>
             </a:r>
             <a:r>
               <a:rPr lang="de-DE" altLang="de-DE" dirty="0">
@@ -20789,7 +20803,7 @@
           <a:p>
             <a:r>
               <a:rPr lang="de-DE" altLang="de-DE" dirty="0"/>
-              <a:t>Beispielsinhalt</a:t>
+              <a:t>Beispielinhalt:</a:t>
             </a:r>
           </a:p>
           <a:p>
@@ -21201,7 +21215,7 @@
             </a:r>
             <a:r>
               <a:rPr lang="de-DE" altLang="de-DE" dirty="0"/>
-              <a:t> und werden dadurch häufig nicht in </a:t>
+              <a:t> und werden in aller Regel nicht über </a:t>
             </a:r>
             <a:r>
               <a:rPr lang="de-DE" altLang="de-DE" dirty="0" err="1"/>
@@ -21453,7 +21467,7 @@
             </a:r>
             <a:r>
               <a:rPr lang="de-DE" altLang="de-DE" dirty="0"/>
-              <a:t>-Basics</a:t>
+              <a:t> – Grundlagen</a:t>
             </a:r>
           </a:p>
         </p:txBody>
@@ -21817,7 +21831,7 @@
             </a:r>
             <a:r>
               <a:rPr lang="de-DE" altLang="de-DE" dirty="0"/>
-              <a:t> werden und damit bei </a:t>
+              <a:t> und damit bei </a:t>
             </a:r>
             <a:r>
               <a:rPr lang="de-DE" altLang="de-DE" dirty="0" err="1">
@@ -21882,7 +21896,7 @@
             </a:r>
             <a:r>
               <a:rPr lang="de-DE" altLang="de-DE" dirty="0"/>
-              <a:t>-Basics</a:t>
+              <a:t> – Grundlagen</a:t>
             </a:r>
           </a:p>
         </p:txBody>
@@ -22037,32 +22051,28 @@
           </a:p>
           <a:p>
             <a:r>
+              <a:rPr lang="de-DE" altLang="de-DE" dirty="0"/>
+              <a:t>Entwicklungszweige bestehend aus einer Abfolge einzelner </a:t>
+            </a:r>
+            <a:r>
+              <a:rPr lang="de-DE" altLang="de-DE" dirty="0" err="1"/>
+              <a:t>Commits</a:t>
+            </a:r>
+            <a:endParaRPr lang="de-DE" altLang="de-DE" dirty="0"/>
+          </a:p>
+          <a:p>
+            <a:r>
+              <a:rPr lang="de-DE" altLang="de-DE" dirty="0" err="1"/>
+              <a:t>Git</a:t>
+            </a:r>
+            <a:r>
+              <a:rPr lang="de-DE" altLang="de-DE" dirty="0"/>
+              <a:t> arbeitet immer in </a:t>
+            </a:r>
+            <a:r>
               <a:rPr lang="de-DE" altLang="de-DE" dirty="0" err="1"/>
               <a:t>Branches</a:t>
             </a:r>
-            <a:r>
-              <a:rPr lang="de-DE" altLang="de-DE" dirty="0"/>
-              <a:t> sind Entwicklungszweige und bestehen aus einer Reihe von einzelnen </a:t>
-            </a:r>
-            <a:r>
-              <a:rPr lang="de-DE" altLang="de-DE" dirty="0" err="1"/>
-              <a:t>Commits</a:t>
-            </a:r>
-            <a:endParaRPr lang="de-DE" altLang="de-DE" dirty="0"/>
-          </a:p>
-          <a:p>
-            <a:r>
-              <a:rPr lang="de-DE" altLang="de-DE" dirty="0" err="1"/>
-              <a:t>Git</a:t>
-            </a:r>
-            <a:r>
-              <a:rPr lang="de-DE" altLang="de-DE" dirty="0"/>
-              <a:t> arbeitet immer in </a:t>
-            </a:r>
-            <a:r>
-              <a:rPr lang="de-DE" altLang="de-DE" dirty="0" err="1"/>
-              <a:t>Branches</a:t>
-            </a:r>
             <a:endParaRPr lang="de-DE" altLang="de-DE" dirty="0"/>
           </a:p>
           <a:p>
@@ -22159,7 +22169,7 @@
           <a:p>
             <a:r>
               <a:rPr lang="de-DE" altLang="de-DE" dirty="0"/>
-              <a:t>Visuelle Darstellung als azyklischer Graph</a:t>
+              <a:t>Visuelle Darstellung als gerichteter, azyklischer Graph</a:t>
             </a:r>
           </a:p>
         </p:txBody>
@@ -22902,7 +22912,7 @@
           <a:p>
             <a:r>
               <a:rPr lang="de-DE" altLang="de-DE" dirty="0"/>
-              <a:t>Verschiedene </a:t>
+              <a:t>Mehrere </a:t>
             </a:r>
             <a:r>
               <a:rPr lang="de-DE" altLang="de-DE" dirty="0" err="1"/>
@@ -22917,15 +22927,7 @@
             <a:pPr lvl="1"/>
             <a:r>
               <a:rPr lang="de-DE" altLang="de-DE" dirty="0"/>
-              <a:t>Funktionale Komponenten in separaten </a:t>
-            </a:r>
-            <a:r>
-              <a:rPr lang="de-DE" altLang="de-DE" dirty="0" err="1"/>
-              <a:t>Branches</a:t>
-            </a:r>
-            <a:r>
-              <a:rPr lang="de-DE" altLang="de-DE" dirty="0"/>
-              <a:t> entwickeln</a:t>
+              <a:t>Funktionale Komponenten</a:t>
             </a:r>
           </a:p>
           <a:p>
@@ -22958,7 +22960,7 @@
           <a:p>
             <a:r>
               <a:rPr lang="de-DE" altLang="de-DE" dirty="0"/>
-              <a:t>Beispielgraph</a:t>
+              <a:t>Beispielgraph:</a:t>
             </a:r>
           </a:p>
         </p:txBody>
@@ -26676,7 +26678,7 @@
           <p:nvPr>
             <p:extLst>
               <p:ext uri="{D42A27DB-BD31-4B8C-83A1-F6EECF244321}">
-                <p14:modId xmlns:p14="http://schemas.microsoft.com/office/powerpoint/2010/main" val="707643099"/>
+                <p14:modId xmlns:p14="http://schemas.microsoft.com/office/powerpoint/2010/main" val="1204573205"/>
               </p:ext>
             </p:extLst>
           </p:nvPr>
@@ -26948,15 +26950,7 @@
                     <a:p>
                       <a:r>
                         <a:rPr lang="de-DE" sz="2000" b="0" dirty="0"/>
-                        <a:t>Erzeugt neuen Branch ausgehend vom </a:t>
-                      </a:r>
-                      <a:r>
-                        <a:rPr lang="de-DE" sz="2000" b="0" dirty="0" err="1"/>
-                        <a:t>spezifzierten</a:t>
-                      </a:r>
-                      <a:r>
-                        <a:rPr lang="de-DE" sz="2000" b="0" dirty="0"/>
-                        <a:t> Commit</a:t>
+                        <a:t>Erzeugt neuen Branch ausgehend vom spezifizierten Commit</a:t>
                       </a:r>
                     </a:p>
                   </a:txBody>
@@ -27444,7 +27438,7 @@
           <p:nvPr>
             <p:extLst>
               <p:ext uri="{D42A27DB-BD31-4B8C-83A1-F6EECF244321}">
-                <p14:modId xmlns:p14="http://schemas.microsoft.com/office/powerpoint/2010/main" val="267656976"/>
+                <p14:modId xmlns:p14="http://schemas.microsoft.com/office/powerpoint/2010/main" val="1526467342"/>
               </p:ext>
             </p:extLst>
           </p:nvPr>
@@ -27618,7 +27612,7 @@
                     <a:p>
                       <a:r>
                         <a:rPr lang="de-DE" sz="2000" dirty="0"/>
-                        <a:t>Erstellt angegebenen Branch falls dieser nicht existiert und setzt ihn als aktiven Branch</a:t>
+                        <a:t>Erstellt angegebenen Branch, falls dieser nicht existiert und setzt ihn als aktiven Branch</a:t>
                       </a:r>
                     </a:p>
                   </a:txBody>
@@ -28046,7 +28040,7 @@
           <a:p>
             <a:r>
               <a:rPr lang="de-DE" altLang="de-DE" dirty="0"/>
-              <a:t>Ziel ist Mehrdeutigkeit von </a:t>
+              <a:t>Ziel: Mehrdeutigkeit von </a:t>
             </a:r>
             <a:r>
               <a:rPr lang="de-DE" altLang="de-DE" dirty="0" err="1">
@@ -28068,7 +28062,7 @@
             </a:r>
             <a:r>
               <a:rPr lang="de-DE" altLang="de-DE" dirty="0"/>
-              <a:t> aufzulösen</a:t>
+              <a:t> auflösen</a:t>
             </a:r>
           </a:p>
           <a:p>
@@ -28313,7 +28307,7 @@
             </a:pPr>
             <a:r>
               <a:rPr lang="de-DE" altLang="de-DE" b="1" dirty="0"/>
-              <a:t>Beispiel</a:t>
+              <a:t>Beispiel:</a:t>
             </a:r>
             <a:r>
               <a:rPr lang="de-DE" altLang="de-DE" dirty="0"/>
@@ -29207,7 +29201,7 @@
             </a:r>
             <a:r>
               <a:rPr lang="de-DE" altLang="de-DE" dirty="0"/>
-              <a:t> Änderungen oder veränderten getrackten Dateien kann zu Problemen führen</a:t>
+              <a:t> Änderungen oder veränderten getrackten Dateien mitunter problematisch</a:t>
             </a:r>
           </a:p>
           <a:p>
@@ -29356,7 +29350,7 @@
             </a:pPr>
             <a:r>
               <a:rPr lang="de-DE" altLang="de-DE" b="1" dirty="0"/>
-              <a:t>Beispiel</a:t>
+              <a:t>Beispiel:</a:t>
             </a:r>
             <a:r>
               <a:rPr lang="de-DE" altLang="de-DE" dirty="0"/>
@@ -29845,7 +29839,7 @@
             </a:pPr>
             <a:r>
               <a:rPr lang="de-DE" altLang="de-DE" b="1" dirty="0"/>
-              <a:t>Beispiel</a:t>
+              <a:t>Beispiel:</a:t>
             </a:r>
             <a:r>
               <a:rPr lang="de-DE" altLang="de-DE" dirty="0"/>
@@ -30276,7 +30270,7 @@
             </a:pPr>
             <a:r>
               <a:rPr lang="de-DE" altLang="de-DE" b="1" dirty="0"/>
-              <a:t>Bespiel</a:t>
+              <a:t>Beispiel:</a:t>
             </a:r>
             <a:endParaRPr lang="de-DE" altLang="de-DE" dirty="0"/>
           </a:p>
@@ -30625,13 +30619,21 @@
           <a:p>
             <a:r>
               <a:rPr lang="de-DE" altLang="de-DE" dirty="0"/>
-              <a:t>Spezielle Referenz, die auf letzten Commit des aktiven Branch verweist</a:t>
-            </a:r>
-          </a:p>
-          <a:p>
-            <a:r>
-              <a:rPr lang="de-DE" altLang="de-DE" dirty="0"/>
-              <a:t>Bespiel</a:t>
+              <a:t>Spezielle Referenz, die auf letzten Commit des aktiven </a:t>
+            </a:r>
+            <a:r>
+              <a:rPr lang="de-DE" altLang="de-DE" dirty="0" err="1"/>
+              <a:t>Branches</a:t>
+            </a:r>
+            <a:r>
+              <a:rPr lang="de-DE" altLang="de-DE" dirty="0"/>
+              <a:t> verweist</a:t>
+            </a:r>
+          </a:p>
+          <a:p>
+            <a:r>
+              <a:rPr lang="de-DE" altLang="de-DE" dirty="0"/>
+              <a:t>Beispiel:</a:t>
             </a:r>
             <a:endParaRPr lang="en-US" altLang="de-DE" sz="1200" dirty="0">
               <a:latin typeface="Consolas" panose="020B0609020204030204" pitchFamily="49" charset="0"/>
@@ -30937,19 +30939,19 @@
           <a:p>
             <a:r>
               <a:rPr lang="de-DE" altLang="de-DE" dirty="0"/>
-              <a:t>Dient zur Erfassung von Änderungen an Dateien und Dokumenten</a:t>
-            </a:r>
-          </a:p>
-          <a:p>
-            <a:r>
-              <a:rPr lang="de-DE" altLang="de-DE" dirty="0"/>
-              <a:t>Speichert Änderung, Zeitstempel und Autor</a:t>
-            </a:r>
-          </a:p>
-          <a:p>
-            <a:r>
-              <a:rPr lang="de-DE" altLang="de-DE" dirty="0"/>
-              <a:t>Häufig in Softwareentwicklung zur Verwaltung von Quellcode eingesetzt</a:t>
+              <a:t>Erfassung von Änderungen an Dateien und Dokumenten</a:t>
+            </a:r>
+          </a:p>
+          <a:p>
+            <a:r>
+              <a:rPr lang="de-DE" altLang="de-DE" dirty="0"/>
+              <a:t>Protokollierung von Änderung, Zeitstempel und Autor</a:t>
+            </a:r>
+          </a:p>
+          <a:p>
+            <a:r>
+              <a:rPr lang="de-DE" altLang="de-DE" dirty="0"/>
+              <a:t>Häufiger Use Case: Verwaltung von Quellcode</a:t>
             </a:r>
           </a:p>
           <a:p>
@@ -31913,7 +31915,7 @@
           <a:p>
             <a:r>
               <a:rPr lang="de-DE" altLang="de-DE" dirty="0"/>
-              <a:t>Verändert Commit Historie</a:t>
+              <a:t>Veränderung der Commit Historie möglich</a:t>
             </a:r>
           </a:p>
           <a:p>
@@ -32151,14 +32153,6 @@
             <a:r>
               <a:rPr lang="de-DE" altLang="de-DE" dirty="0" err="1"/>
               <a:t>Reset</a:t>
-            </a:r>
-            <a:r>
-              <a:rPr lang="de-DE" altLang="de-DE" dirty="0"/>
-              <a:t> &amp; </a:t>
-            </a:r>
-            <a:r>
-              <a:rPr lang="de-DE" altLang="de-DE" dirty="0" err="1"/>
-              <a:t>Revert</a:t>
             </a:r>
             <a:endParaRPr lang="de-DE" altLang="de-DE" dirty="0"/>
           </a:p>
@@ -33438,7 +33432,7 @@
             </a:pPr>
             <a:r>
               <a:rPr lang="de-DE" altLang="de-DE" b="1" kern="0" dirty="0"/>
-              <a:t>Beispiel</a:t>
+              <a:t>Beispiel:</a:t>
             </a:r>
           </a:p>
           <a:p>
@@ -34665,6 +34659,252 @@
           </a:p>
         </p:txBody>
       </p:sp>
+      <p:sp>
+        <p:nvSpPr>
+          <p:cNvPr id="11" name="Inhaltsplatzhalter 18">
+            <a:extLst>
+              <a:ext uri="{FF2B5EF4-FFF2-40B4-BE49-F238E27FC236}">
+                <a16:creationId xmlns:a16="http://schemas.microsoft.com/office/drawing/2014/main" id="{B7285A3B-27D9-CD18-02B0-4C0EA232D7C8}"/>
+              </a:ext>
+            </a:extLst>
+          </p:cNvPr>
+          <p:cNvSpPr txBox="1">
+            <a:spLocks/>
+          </p:cNvSpPr>
+          <p:nvPr/>
+        </p:nvSpPr>
+        <p:spPr bwMode="auto">
+          <a:xfrm>
+            <a:off x="285750" y="980728"/>
+            <a:ext cx="8402636" cy="5364633"/>
+          </a:xfrm>
+          <a:prstGeom prst="rect">
+            <a:avLst/>
+          </a:prstGeom>
+          <a:noFill/>
+          <a:ln>
+            <a:noFill/>
+          </a:ln>
+          <a:extLst>
+            <a:ext uri="{909E8E84-426E-40DD-AFC4-6F175D3DCCD1}">
+              <a14:hiddenFill xmlns:a14="http://schemas.microsoft.com/office/drawing/2010/main">
+                <a:solidFill>
+                  <a:srgbClr val="FFFFFF"/>
+                </a:solidFill>
+              </a14:hiddenFill>
+            </a:ext>
+            <a:ext uri="{91240B29-F687-4F45-9708-019B960494DF}">
+              <a14:hiddenLine xmlns:a14="http://schemas.microsoft.com/office/drawing/2010/main" w="9525">
+                <a:solidFill>
+                  <a:srgbClr val="000000"/>
+                </a:solidFill>
+                <a:miter lim="800000"/>
+                <a:headEnd/>
+                <a:tailEnd/>
+              </a14:hiddenLine>
+            </a:ext>
+          </a:extLst>
+        </p:spPr>
+        <p:txBody>
+          <a:bodyPr vert="horz" wrap="square" lIns="92075" tIns="46038" rIns="92075" bIns="46038" numCol="1" anchor="t" anchorCtr="0" compatLnSpc="1">
+            <a:prstTxWarp prst="textNoShape">
+              <a:avLst/>
+            </a:prstTxWarp>
+          </a:bodyPr>
+          <a:lstStyle>
+            <a:lvl1pPr marL="342900" indent="-342900" algn="l" rtl="0" eaLnBrk="1" fontAlgn="base" hangingPunct="1">
+              <a:spcBef>
+                <a:spcPts val="600"/>
+              </a:spcBef>
+              <a:spcAft>
+                <a:spcPts val="0"/>
+              </a:spcAft>
+              <a:buClr>
+                <a:srgbClr val="008C5A"/>
+              </a:buClr>
+              <a:buFont typeface="Arial" panose="020B0604020202020204" pitchFamily="34" charset="0"/>
+              <a:buChar char="•"/>
+              <a:defRPr sz="2000">
+                <a:solidFill>
+                  <a:schemeClr val="tx1"/>
+                </a:solidFill>
+                <a:latin typeface="+mn-lt"/>
+                <a:ea typeface="+mn-ea"/>
+                <a:cs typeface="+mn-cs"/>
+              </a:defRPr>
+            </a:lvl1pPr>
+            <a:lvl2pPr marL="742950" indent="-285750" algn="l" rtl="0" eaLnBrk="1" fontAlgn="base" hangingPunct="1">
+              <a:spcBef>
+                <a:spcPts val="600"/>
+              </a:spcBef>
+              <a:spcAft>
+                <a:spcPts val="0"/>
+              </a:spcAft>
+              <a:buClr>
+                <a:srgbClr val="008C5A"/>
+              </a:buClr>
+              <a:buFont typeface="Arial" panose="020B0604020202020204" pitchFamily="34" charset="0"/>
+              <a:buChar char="•"/>
+              <a:defRPr sz="1600">
+                <a:solidFill>
+                  <a:schemeClr val="tx1"/>
+                </a:solidFill>
+                <a:latin typeface="+mn-lt"/>
+              </a:defRPr>
+            </a:lvl2pPr>
+            <a:lvl3pPr marL="1143000" indent="-228600" algn="l" rtl="0" eaLnBrk="1" fontAlgn="base" hangingPunct="1">
+              <a:spcBef>
+                <a:spcPts val="600"/>
+              </a:spcBef>
+              <a:spcAft>
+                <a:spcPts val="0"/>
+              </a:spcAft>
+              <a:buClr>
+                <a:srgbClr val="008C5A"/>
+              </a:buClr>
+              <a:buFont typeface="Arial" panose="020B0604020202020204" pitchFamily="34" charset="0"/>
+              <a:buChar char="•"/>
+              <a:defRPr sz="1600">
+                <a:solidFill>
+                  <a:schemeClr val="tx1"/>
+                </a:solidFill>
+                <a:latin typeface="+mn-lt"/>
+              </a:defRPr>
+            </a:lvl3pPr>
+            <a:lvl4pPr marL="1562100" indent="-228600" algn="l" rtl="0" eaLnBrk="1" fontAlgn="base" hangingPunct="1">
+              <a:spcBef>
+                <a:spcPts val="600"/>
+              </a:spcBef>
+              <a:spcAft>
+                <a:spcPts val="0"/>
+              </a:spcAft>
+              <a:buClr>
+                <a:srgbClr val="008C5A"/>
+              </a:buClr>
+              <a:buFont typeface="Arial" panose="020B0604020202020204" pitchFamily="34" charset="0"/>
+              <a:buChar char="•"/>
+              <a:defRPr sz="1600">
+                <a:solidFill>
+                  <a:schemeClr val="tx1"/>
+                </a:solidFill>
+                <a:latin typeface="+mn-lt"/>
+              </a:defRPr>
+            </a:lvl4pPr>
+            <a:lvl5pPr marL="1981200" indent="-228600" algn="l" rtl="0" eaLnBrk="1" fontAlgn="base" hangingPunct="1">
+              <a:spcBef>
+                <a:spcPts val="600"/>
+              </a:spcBef>
+              <a:spcAft>
+                <a:spcPts val="0"/>
+              </a:spcAft>
+              <a:buClr>
+                <a:srgbClr val="008C5A"/>
+              </a:buClr>
+              <a:buFont typeface="Arial" panose="020B0604020202020204" pitchFamily="34" charset="0"/>
+              <a:buChar char="•"/>
+              <a:defRPr sz="1600">
+                <a:solidFill>
+                  <a:schemeClr val="tx1"/>
+                </a:solidFill>
+                <a:latin typeface="+mn-lt"/>
+              </a:defRPr>
+            </a:lvl5pPr>
+            <a:lvl6pPr marL="2438400" indent="-228600" algn="l" rtl="0" eaLnBrk="1" fontAlgn="base" hangingPunct="1">
+              <a:spcBef>
+                <a:spcPct val="20000"/>
+              </a:spcBef>
+              <a:spcAft>
+                <a:spcPct val="0"/>
+              </a:spcAft>
+              <a:buClr>
+                <a:srgbClr val="008C5A"/>
+              </a:buClr>
+              <a:buFont typeface="Monotype Sorts" pitchFamily="2" charset="2"/>
+              <a:buChar char="l"/>
+              <a:defRPr sz="1600">
+                <a:solidFill>
+                  <a:schemeClr val="tx1"/>
+                </a:solidFill>
+                <a:latin typeface="+mn-lt"/>
+              </a:defRPr>
+            </a:lvl6pPr>
+            <a:lvl7pPr marL="2895600" indent="-228600" algn="l" rtl="0" eaLnBrk="1" fontAlgn="base" hangingPunct="1">
+              <a:spcBef>
+                <a:spcPct val="20000"/>
+              </a:spcBef>
+              <a:spcAft>
+                <a:spcPct val="0"/>
+              </a:spcAft>
+              <a:buClr>
+                <a:srgbClr val="008C5A"/>
+              </a:buClr>
+              <a:buFont typeface="Monotype Sorts" pitchFamily="2" charset="2"/>
+              <a:buChar char="l"/>
+              <a:defRPr sz="1600">
+                <a:solidFill>
+                  <a:schemeClr val="tx1"/>
+                </a:solidFill>
+                <a:latin typeface="+mn-lt"/>
+              </a:defRPr>
+            </a:lvl7pPr>
+            <a:lvl8pPr marL="3352800" indent="-228600" algn="l" rtl="0" eaLnBrk="1" fontAlgn="base" hangingPunct="1">
+              <a:spcBef>
+                <a:spcPct val="20000"/>
+              </a:spcBef>
+              <a:spcAft>
+                <a:spcPct val="0"/>
+              </a:spcAft>
+              <a:buClr>
+                <a:srgbClr val="008C5A"/>
+              </a:buClr>
+              <a:buFont typeface="Monotype Sorts" pitchFamily="2" charset="2"/>
+              <a:buChar char="l"/>
+              <a:defRPr sz="1600">
+                <a:solidFill>
+                  <a:schemeClr val="tx1"/>
+                </a:solidFill>
+                <a:latin typeface="+mn-lt"/>
+              </a:defRPr>
+            </a:lvl8pPr>
+            <a:lvl9pPr marL="3810000" indent="-228600" algn="l" rtl="0" eaLnBrk="1" fontAlgn="base" hangingPunct="1">
+              <a:spcBef>
+                <a:spcPct val="20000"/>
+              </a:spcBef>
+              <a:spcAft>
+                <a:spcPct val="0"/>
+              </a:spcAft>
+              <a:buClr>
+                <a:srgbClr val="008C5A"/>
+              </a:buClr>
+              <a:buFont typeface="Monotype Sorts" pitchFamily="2" charset="2"/>
+              <a:buChar char="l"/>
+              <a:defRPr sz="1600">
+                <a:solidFill>
+                  <a:schemeClr val="tx1"/>
+                </a:solidFill>
+                <a:latin typeface="+mn-lt"/>
+              </a:defRPr>
+            </a:lvl9pPr>
+          </a:lstStyle>
+          <a:p>
+            <a:pPr marL="0" indent="0">
+              <a:buFont typeface="Arial" panose="020B0604020202020204" pitchFamily="34" charset="0"/>
+              <a:buNone/>
+            </a:pPr>
+            <a:r>
+              <a:rPr lang="de-DE" altLang="de-DE" b="1" kern="0" dirty="0"/>
+              <a:t>Beispiel:</a:t>
+            </a:r>
+          </a:p>
+          <a:p>
+            <a:pPr marL="0" indent="0">
+              <a:buFont typeface="Arial" panose="020B0604020202020204" pitchFamily="34" charset="0"/>
+              <a:buNone/>
+            </a:pPr>
+            <a:endParaRPr lang="de-DE" altLang="de-DE" kern="0" dirty="0"/>
+          </a:p>
+        </p:txBody>
+      </p:sp>
     </p:spTree>
     <p:extLst>
       <p:ext uri="{BB962C8B-B14F-4D97-AF65-F5344CB8AC3E}">
@@ -34734,12 +34974,6 @@
             </a:r>
           </a:p>
           <a:p>
-            <a:r>
-              <a:rPr lang="de-DE" altLang="de-DE" dirty="0"/>
-              <a:t>Verschiedenen Modi</a:t>
-            </a:r>
-          </a:p>
-          <a:p>
             <a:pPr marL="0" indent="0">
               <a:buNone/>
             </a:pPr>
@@ -34821,12 +35055,8 @@
           <a:p>
             <a:pPr lvl="1"/>
             <a:r>
-              <a:rPr lang="de-DE" altLang="de-DE" dirty="0" err="1"/>
-              <a:t>Resetet</a:t>
-            </a:r>
-            <a:r>
-              <a:rPr lang="de-DE" altLang="de-DE" dirty="0"/>
-              <a:t> nur die Commit Historie</a:t>
+              <a:rPr lang="de-DE" altLang="de-DE" dirty="0"/>
+              <a:t>Resettet nur die Commit Historie</a:t>
             </a:r>
           </a:p>
           <a:p>
@@ -34855,12 +35085,8 @@
           <a:p>
             <a:pPr lvl="1"/>
             <a:r>
-              <a:rPr lang="de-DE" altLang="de-DE" dirty="0" err="1"/>
-              <a:t>Resetet</a:t>
-            </a:r>
-            <a:r>
-              <a:rPr lang="de-DE" altLang="de-DE" dirty="0"/>
-              <a:t> die Commit Historie und den </a:t>
+              <a:rPr lang="de-DE" altLang="de-DE" dirty="0"/>
+              <a:t>Resettet die Commit Historie und den </a:t>
             </a:r>
             <a:r>
               <a:rPr lang="de-DE" altLang="de-DE" dirty="0" err="1"/>
@@ -34891,12 +35117,8 @@
           <a:p>
             <a:pPr lvl="1"/>
             <a:r>
-              <a:rPr lang="de-DE" altLang="de-DE" dirty="0" err="1"/>
-              <a:t>Resetet</a:t>
-            </a:r>
-            <a:r>
-              <a:rPr lang="de-DE" altLang="de-DE" dirty="0"/>
-              <a:t> Commit Historie, </a:t>
+              <a:rPr lang="de-DE" altLang="de-DE" dirty="0"/>
+              <a:t>Resettet Commit Historie, </a:t>
             </a:r>
             <a:r>
               <a:rPr lang="de-DE" altLang="de-DE" dirty="0" err="1"/>
@@ -34904,13 +35126,8 @@
             </a:r>
             <a:r>
               <a:rPr lang="de-DE" altLang="de-DE" dirty="0"/>
-              <a:t> Area und </a:t>
-            </a:r>
-            <a:r>
-              <a:rPr lang="de-DE" altLang="de-DE" dirty="0" err="1"/>
-              <a:t>Workspaces</a:t>
-            </a:r>
-            <a:endParaRPr lang="de-DE" altLang="de-DE" dirty="0"/>
+              <a:t> Area und Workspace</a:t>
+            </a:r>
           </a:p>
         </p:txBody>
       </p:sp>
@@ -35086,7 +35303,15 @@
           <a:p>
             <a:r>
               <a:rPr lang="de-DE" altLang="de-DE" dirty="0"/>
-              <a:t>Nutzt für jeden zurückgesetzten Commit neuen Commit</a:t>
+              <a:t>Nutzt für jeden zurückgesetzten Commit </a:t>
+            </a:r>
+            <a:r>
+              <a:rPr lang="de-DE" altLang="de-DE" i="1" dirty="0"/>
+              <a:t>neuen</a:t>
+            </a:r>
+            <a:r>
+              <a:rPr lang="de-DE" altLang="de-DE" dirty="0"/>
+              <a:t> Commit</a:t>
             </a:r>
           </a:p>
           <a:p>
@@ -35157,7 +35382,7 @@
             </a:r>
             <a:r>
               <a:rPr lang="de-DE" altLang="de-DE" dirty="0"/>
-              <a:t> –</a:t>
+              <a:t> – </a:t>
             </a:r>
             <a:r>
               <a:rPr lang="de-DE" altLang="de-DE" dirty="0" err="1"/>
@@ -36659,7 +36884,7 @@
             </a:pPr>
             <a:r>
               <a:rPr lang="de-DE" altLang="de-DE" b="1" kern="0" dirty="0"/>
-              <a:t>Beispiel</a:t>
+              <a:t>Beispiel:</a:t>
             </a:r>
           </a:p>
           <a:p>
@@ -38257,6 +38482,252 @@
           </a:p>
         </p:txBody>
       </p:sp>
+      <p:sp>
+        <p:nvSpPr>
+          <p:cNvPr id="17" name="Inhaltsplatzhalter 18">
+            <a:extLst>
+              <a:ext uri="{FF2B5EF4-FFF2-40B4-BE49-F238E27FC236}">
+                <a16:creationId xmlns:a16="http://schemas.microsoft.com/office/drawing/2014/main" id="{C2C00E56-92BE-F562-60AD-9844F3B75E46}"/>
+              </a:ext>
+            </a:extLst>
+          </p:cNvPr>
+          <p:cNvSpPr txBox="1">
+            <a:spLocks/>
+          </p:cNvSpPr>
+          <p:nvPr/>
+        </p:nvSpPr>
+        <p:spPr bwMode="auto">
+          <a:xfrm>
+            <a:off x="285750" y="980728"/>
+            <a:ext cx="8402636" cy="5364633"/>
+          </a:xfrm>
+          <a:prstGeom prst="rect">
+            <a:avLst/>
+          </a:prstGeom>
+          <a:noFill/>
+          <a:ln>
+            <a:noFill/>
+          </a:ln>
+          <a:extLst>
+            <a:ext uri="{909E8E84-426E-40DD-AFC4-6F175D3DCCD1}">
+              <a14:hiddenFill xmlns:a14="http://schemas.microsoft.com/office/drawing/2010/main">
+                <a:solidFill>
+                  <a:srgbClr val="FFFFFF"/>
+                </a:solidFill>
+              </a14:hiddenFill>
+            </a:ext>
+            <a:ext uri="{91240B29-F687-4F45-9708-019B960494DF}">
+              <a14:hiddenLine xmlns:a14="http://schemas.microsoft.com/office/drawing/2010/main" w="9525">
+                <a:solidFill>
+                  <a:srgbClr val="000000"/>
+                </a:solidFill>
+                <a:miter lim="800000"/>
+                <a:headEnd/>
+                <a:tailEnd/>
+              </a14:hiddenLine>
+            </a:ext>
+          </a:extLst>
+        </p:spPr>
+        <p:txBody>
+          <a:bodyPr vert="horz" wrap="square" lIns="92075" tIns="46038" rIns="92075" bIns="46038" numCol="1" anchor="t" anchorCtr="0" compatLnSpc="1">
+            <a:prstTxWarp prst="textNoShape">
+              <a:avLst/>
+            </a:prstTxWarp>
+          </a:bodyPr>
+          <a:lstStyle>
+            <a:lvl1pPr marL="342900" indent="-342900" algn="l" rtl="0" eaLnBrk="1" fontAlgn="base" hangingPunct="1">
+              <a:spcBef>
+                <a:spcPts val="600"/>
+              </a:spcBef>
+              <a:spcAft>
+                <a:spcPts val="0"/>
+              </a:spcAft>
+              <a:buClr>
+                <a:srgbClr val="008C5A"/>
+              </a:buClr>
+              <a:buFont typeface="Arial" panose="020B0604020202020204" pitchFamily="34" charset="0"/>
+              <a:buChar char="•"/>
+              <a:defRPr sz="2000">
+                <a:solidFill>
+                  <a:schemeClr val="tx1"/>
+                </a:solidFill>
+                <a:latin typeface="+mn-lt"/>
+                <a:ea typeface="+mn-ea"/>
+                <a:cs typeface="+mn-cs"/>
+              </a:defRPr>
+            </a:lvl1pPr>
+            <a:lvl2pPr marL="742950" indent="-285750" algn="l" rtl="0" eaLnBrk="1" fontAlgn="base" hangingPunct="1">
+              <a:spcBef>
+                <a:spcPts val="600"/>
+              </a:spcBef>
+              <a:spcAft>
+                <a:spcPts val="0"/>
+              </a:spcAft>
+              <a:buClr>
+                <a:srgbClr val="008C5A"/>
+              </a:buClr>
+              <a:buFont typeface="Arial" panose="020B0604020202020204" pitchFamily="34" charset="0"/>
+              <a:buChar char="•"/>
+              <a:defRPr sz="1600">
+                <a:solidFill>
+                  <a:schemeClr val="tx1"/>
+                </a:solidFill>
+                <a:latin typeface="+mn-lt"/>
+              </a:defRPr>
+            </a:lvl2pPr>
+            <a:lvl3pPr marL="1143000" indent="-228600" algn="l" rtl="0" eaLnBrk="1" fontAlgn="base" hangingPunct="1">
+              <a:spcBef>
+                <a:spcPts val="600"/>
+              </a:spcBef>
+              <a:spcAft>
+                <a:spcPts val="0"/>
+              </a:spcAft>
+              <a:buClr>
+                <a:srgbClr val="008C5A"/>
+              </a:buClr>
+              <a:buFont typeface="Arial" panose="020B0604020202020204" pitchFamily="34" charset="0"/>
+              <a:buChar char="•"/>
+              <a:defRPr sz="1600">
+                <a:solidFill>
+                  <a:schemeClr val="tx1"/>
+                </a:solidFill>
+                <a:latin typeface="+mn-lt"/>
+              </a:defRPr>
+            </a:lvl3pPr>
+            <a:lvl4pPr marL="1562100" indent="-228600" algn="l" rtl="0" eaLnBrk="1" fontAlgn="base" hangingPunct="1">
+              <a:spcBef>
+                <a:spcPts val="600"/>
+              </a:spcBef>
+              <a:spcAft>
+                <a:spcPts val="0"/>
+              </a:spcAft>
+              <a:buClr>
+                <a:srgbClr val="008C5A"/>
+              </a:buClr>
+              <a:buFont typeface="Arial" panose="020B0604020202020204" pitchFamily="34" charset="0"/>
+              <a:buChar char="•"/>
+              <a:defRPr sz="1600">
+                <a:solidFill>
+                  <a:schemeClr val="tx1"/>
+                </a:solidFill>
+                <a:latin typeface="+mn-lt"/>
+              </a:defRPr>
+            </a:lvl4pPr>
+            <a:lvl5pPr marL="1981200" indent="-228600" algn="l" rtl="0" eaLnBrk="1" fontAlgn="base" hangingPunct="1">
+              <a:spcBef>
+                <a:spcPts val="600"/>
+              </a:spcBef>
+              <a:spcAft>
+                <a:spcPts val="0"/>
+              </a:spcAft>
+              <a:buClr>
+                <a:srgbClr val="008C5A"/>
+              </a:buClr>
+              <a:buFont typeface="Arial" panose="020B0604020202020204" pitchFamily="34" charset="0"/>
+              <a:buChar char="•"/>
+              <a:defRPr sz="1600">
+                <a:solidFill>
+                  <a:schemeClr val="tx1"/>
+                </a:solidFill>
+                <a:latin typeface="+mn-lt"/>
+              </a:defRPr>
+            </a:lvl5pPr>
+            <a:lvl6pPr marL="2438400" indent="-228600" algn="l" rtl="0" eaLnBrk="1" fontAlgn="base" hangingPunct="1">
+              <a:spcBef>
+                <a:spcPct val="20000"/>
+              </a:spcBef>
+              <a:spcAft>
+                <a:spcPct val="0"/>
+              </a:spcAft>
+              <a:buClr>
+                <a:srgbClr val="008C5A"/>
+              </a:buClr>
+              <a:buFont typeface="Monotype Sorts" pitchFamily="2" charset="2"/>
+              <a:buChar char="l"/>
+              <a:defRPr sz="1600">
+                <a:solidFill>
+                  <a:schemeClr val="tx1"/>
+                </a:solidFill>
+                <a:latin typeface="+mn-lt"/>
+              </a:defRPr>
+            </a:lvl6pPr>
+            <a:lvl7pPr marL="2895600" indent="-228600" algn="l" rtl="0" eaLnBrk="1" fontAlgn="base" hangingPunct="1">
+              <a:spcBef>
+                <a:spcPct val="20000"/>
+              </a:spcBef>
+              <a:spcAft>
+                <a:spcPct val="0"/>
+              </a:spcAft>
+              <a:buClr>
+                <a:srgbClr val="008C5A"/>
+              </a:buClr>
+              <a:buFont typeface="Monotype Sorts" pitchFamily="2" charset="2"/>
+              <a:buChar char="l"/>
+              <a:defRPr sz="1600">
+                <a:solidFill>
+                  <a:schemeClr val="tx1"/>
+                </a:solidFill>
+                <a:latin typeface="+mn-lt"/>
+              </a:defRPr>
+            </a:lvl7pPr>
+            <a:lvl8pPr marL="3352800" indent="-228600" algn="l" rtl="0" eaLnBrk="1" fontAlgn="base" hangingPunct="1">
+              <a:spcBef>
+                <a:spcPct val="20000"/>
+              </a:spcBef>
+              <a:spcAft>
+                <a:spcPct val="0"/>
+              </a:spcAft>
+              <a:buClr>
+                <a:srgbClr val="008C5A"/>
+              </a:buClr>
+              <a:buFont typeface="Monotype Sorts" pitchFamily="2" charset="2"/>
+              <a:buChar char="l"/>
+              <a:defRPr sz="1600">
+                <a:solidFill>
+                  <a:schemeClr val="tx1"/>
+                </a:solidFill>
+                <a:latin typeface="+mn-lt"/>
+              </a:defRPr>
+            </a:lvl8pPr>
+            <a:lvl9pPr marL="3810000" indent="-228600" algn="l" rtl="0" eaLnBrk="1" fontAlgn="base" hangingPunct="1">
+              <a:spcBef>
+                <a:spcPct val="20000"/>
+              </a:spcBef>
+              <a:spcAft>
+                <a:spcPct val="0"/>
+              </a:spcAft>
+              <a:buClr>
+                <a:srgbClr val="008C5A"/>
+              </a:buClr>
+              <a:buFont typeface="Monotype Sorts" pitchFamily="2" charset="2"/>
+              <a:buChar char="l"/>
+              <a:defRPr sz="1600">
+                <a:solidFill>
+                  <a:schemeClr val="tx1"/>
+                </a:solidFill>
+                <a:latin typeface="+mn-lt"/>
+              </a:defRPr>
+            </a:lvl9pPr>
+          </a:lstStyle>
+          <a:p>
+            <a:pPr marL="0" indent="0">
+              <a:buFont typeface="Arial" panose="020B0604020202020204" pitchFamily="34" charset="0"/>
+              <a:buNone/>
+            </a:pPr>
+            <a:r>
+              <a:rPr lang="de-DE" altLang="de-DE" b="1" kern="0" dirty="0"/>
+              <a:t>Beispiel:</a:t>
+            </a:r>
+          </a:p>
+          <a:p>
+            <a:pPr marL="0" indent="0">
+              <a:buFont typeface="Arial" panose="020B0604020202020204" pitchFamily="34" charset="0"/>
+              <a:buNone/>
+            </a:pPr>
+            <a:endParaRPr lang="de-DE" altLang="de-DE" kern="0" dirty="0"/>
+          </a:p>
+        </p:txBody>
+      </p:sp>
     </p:spTree>
     <p:extLst>
       <p:ext uri="{BB962C8B-B14F-4D97-AF65-F5344CB8AC3E}">
@@ -39972,6 +40443,252 @@
               <a:effectLst/>
               <a:latin typeface="Times New Roman" pitchFamily="18" charset="0"/>
             </a:endParaRPr>
+          </a:p>
+        </p:txBody>
+      </p:sp>
+      <p:sp>
+        <p:nvSpPr>
+          <p:cNvPr id="17" name="Inhaltsplatzhalter 18">
+            <a:extLst>
+              <a:ext uri="{FF2B5EF4-FFF2-40B4-BE49-F238E27FC236}">
+                <a16:creationId xmlns:a16="http://schemas.microsoft.com/office/drawing/2014/main" id="{1D77A2EB-A492-26E5-7D77-8C9C5A84F1E0}"/>
+              </a:ext>
+            </a:extLst>
+          </p:cNvPr>
+          <p:cNvSpPr txBox="1">
+            <a:spLocks/>
+          </p:cNvSpPr>
+          <p:nvPr/>
+        </p:nvSpPr>
+        <p:spPr bwMode="auto">
+          <a:xfrm>
+            <a:off x="285750" y="980728"/>
+            <a:ext cx="8402636" cy="5364633"/>
+          </a:xfrm>
+          <a:prstGeom prst="rect">
+            <a:avLst/>
+          </a:prstGeom>
+          <a:noFill/>
+          <a:ln>
+            <a:noFill/>
+          </a:ln>
+          <a:extLst>
+            <a:ext uri="{909E8E84-426E-40DD-AFC4-6F175D3DCCD1}">
+              <a14:hiddenFill xmlns:a14="http://schemas.microsoft.com/office/drawing/2010/main">
+                <a:solidFill>
+                  <a:srgbClr val="FFFFFF"/>
+                </a:solidFill>
+              </a14:hiddenFill>
+            </a:ext>
+            <a:ext uri="{91240B29-F687-4F45-9708-019B960494DF}">
+              <a14:hiddenLine xmlns:a14="http://schemas.microsoft.com/office/drawing/2010/main" w="9525">
+                <a:solidFill>
+                  <a:srgbClr val="000000"/>
+                </a:solidFill>
+                <a:miter lim="800000"/>
+                <a:headEnd/>
+                <a:tailEnd/>
+              </a14:hiddenLine>
+            </a:ext>
+          </a:extLst>
+        </p:spPr>
+        <p:txBody>
+          <a:bodyPr vert="horz" wrap="square" lIns="92075" tIns="46038" rIns="92075" bIns="46038" numCol="1" anchor="t" anchorCtr="0" compatLnSpc="1">
+            <a:prstTxWarp prst="textNoShape">
+              <a:avLst/>
+            </a:prstTxWarp>
+          </a:bodyPr>
+          <a:lstStyle>
+            <a:lvl1pPr marL="342900" indent="-342900" algn="l" rtl="0" eaLnBrk="1" fontAlgn="base" hangingPunct="1">
+              <a:spcBef>
+                <a:spcPts val="600"/>
+              </a:spcBef>
+              <a:spcAft>
+                <a:spcPts val="0"/>
+              </a:spcAft>
+              <a:buClr>
+                <a:srgbClr val="008C5A"/>
+              </a:buClr>
+              <a:buFont typeface="Arial" panose="020B0604020202020204" pitchFamily="34" charset="0"/>
+              <a:buChar char="•"/>
+              <a:defRPr sz="2000">
+                <a:solidFill>
+                  <a:schemeClr val="tx1"/>
+                </a:solidFill>
+                <a:latin typeface="+mn-lt"/>
+                <a:ea typeface="+mn-ea"/>
+                <a:cs typeface="+mn-cs"/>
+              </a:defRPr>
+            </a:lvl1pPr>
+            <a:lvl2pPr marL="742950" indent="-285750" algn="l" rtl="0" eaLnBrk="1" fontAlgn="base" hangingPunct="1">
+              <a:spcBef>
+                <a:spcPts val="600"/>
+              </a:spcBef>
+              <a:spcAft>
+                <a:spcPts val="0"/>
+              </a:spcAft>
+              <a:buClr>
+                <a:srgbClr val="008C5A"/>
+              </a:buClr>
+              <a:buFont typeface="Arial" panose="020B0604020202020204" pitchFamily="34" charset="0"/>
+              <a:buChar char="•"/>
+              <a:defRPr sz="1600">
+                <a:solidFill>
+                  <a:schemeClr val="tx1"/>
+                </a:solidFill>
+                <a:latin typeface="+mn-lt"/>
+              </a:defRPr>
+            </a:lvl2pPr>
+            <a:lvl3pPr marL="1143000" indent="-228600" algn="l" rtl="0" eaLnBrk="1" fontAlgn="base" hangingPunct="1">
+              <a:spcBef>
+                <a:spcPts val="600"/>
+              </a:spcBef>
+              <a:spcAft>
+                <a:spcPts val="0"/>
+              </a:spcAft>
+              <a:buClr>
+                <a:srgbClr val="008C5A"/>
+              </a:buClr>
+              <a:buFont typeface="Arial" panose="020B0604020202020204" pitchFamily="34" charset="0"/>
+              <a:buChar char="•"/>
+              <a:defRPr sz="1600">
+                <a:solidFill>
+                  <a:schemeClr val="tx1"/>
+                </a:solidFill>
+                <a:latin typeface="+mn-lt"/>
+              </a:defRPr>
+            </a:lvl3pPr>
+            <a:lvl4pPr marL="1562100" indent="-228600" algn="l" rtl="0" eaLnBrk="1" fontAlgn="base" hangingPunct="1">
+              <a:spcBef>
+                <a:spcPts val="600"/>
+              </a:spcBef>
+              <a:spcAft>
+                <a:spcPts val="0"/>
+              </a:spcAft>
+              <a:buClr>
+                <a:srgbClr val="008C5A"/>
+              </a:buClr>
+              <a:buFont typeface="Arial" panose="020B0604020202020204" pitchFamily="34" charset="0"/>
+              <a:buChar char="•"/>
+              <a:defRPr sz="1600">
+                <a:solidFill>
+                  <a:schemeClr val="tx1"/>
+                </a:solidFill>
+                <a:latin typeface="+mn-lt"/>
+              </a:defRPr>
+            </a:lvl4pPr>
+            <a:lvl5pPr marL="1981200" indent="-228600" algn="l" rtl="0" eaLnBrk="1" fontAlgn="base" hangingPunct="1">
+              <a:spcBef>
+                <a:spcPts val="600"/>
+              </a:spcBef>
+              <a:spcAft>
+                <a:spcPts val="0"/>
+              </a:spcAft>
+              <a:buClr>
+                <a:srgbClr val="008C5A"/>
+              </a:buClr>
+              <a:buFont typeface="Arial" panose="020B0604020202020204" pitchFamily="34" charset="0"/>
+              <a:buChar char="•"/>
+              <a:defRPr sz="1600">
+                <a:solidFill>
+                  <a:schemeClr val="tx1"/>
+                </a:solidFill>
+                <a:latin typeface="+mn-lt"/>
+              </a:defRPr>
+            </a:lvl5pPr>
+            <a:lvl6pPr marL="2438400" indent="-228600" algn="l" rtl="0" eaLnBrk="1" fontAlgn="base" hangingPunct="1">
+              <a:spcBef>
+                <a:spcPct val="20000"/>
+              </a:spcBef>
+              <a:spcAft>
+                <a:spcPct val="0"/>
+              </a:spcAft>
+              <a:buClr>
+                <a:srgbClr val="008C5A"/>
+              </a:buClr>
+              <a:buFont typeface="Monotype Sorts" pitchFamily="2" charset="2"/>
+              <a:buChar char="l"/>
+              <a:defRPr sz="1600">
+                <a:solidFill>
+                  <a:schemeClr val="tx1"/>
+                </a:solidFill>
+                <a:latin typeface="+mn-lt"/>
+              </a:defRPr>
+            </a:lvl6pPr>
+            <a:lvl7pPr marL="2895600" indent="-228600" algn="l" rtl="0" eaLnBrk="1" fontAlgn="base" hangingPunct="1">
+              <a:spcBef>
+                <a:spcPct val="20000"/>
+              </a:spcBef>
+              <a:spcAft>
+                <a:spcPct val="0"/>
+              </a:spcAft>
+              <a:buClr>
+                <a:srgbClr val="008C5A"/>
+              </a:buClr>
+              <a:buFont typeface="Monotype Sorts" pitchFamily="2" charset="2"/>
+              <a:buChar char="l"/>
+              <a:defRPr sz="1600">
+                <a:solidFill>
+                  <a:schemeClr val="tx1"/>
+                </a:solidFill>
+                <a:latin typeface="+mn-lt"/>
+              </a:defRPr>
+            </a:lvl7pPr>
+            <a:lvl8pPr marL="3352800" indent="-228600" algn="l" rtl="0" eaLnBrk="1" fontAlgn="base" hangingPunct="1">
+              <a:spcBef>
+                <a:spcPct val="20000"/>
+              </a:spcBef>
+              <a:spcAft>
+                <a:spcPct val="0"/>
+              </a:spcAft>
+              <a:buClr>
+                <a:srgbClr val="008C5A"/>
+              </a:buClr>
+              <a:buFont typeface="Monotype Sorts" pitchFamily="2" charset="2"/>
+              <a:buChar char="l"/>
+              <a:defRPr sz="1600">
+                <a:solidFill>
+                  <a:schemeClr val="tx1"/>
+                </a:solidFill>
+                <a:latin typeface="+mn-lt"/>
+              </a:defRPr>
+            </a:lvl8pPr>
+            <a:lvl9pPr marL="3810000" indent="-228600" algn="l" rtl="0" eaLnBrk="1" fontAlgn="base" hangingPunct="1">
+              <a:spcBef>
+                <a:spcPct val="20000"/>
+              </a:spcBef>
+              <a:spcAft>
+                <a:spcPct val="0"/>
+              </a:spcAft>
+              <a:buClr>
+                <a:srgbClr val="008C5A"/>
+              </a:buClr>
+              <a:buFont typeface="Monotype Sorts" pitchFamily="2" charset="2"/>
+              <a:buChar char="l"/>
+              <a:defRPr sz="1600">
+                <a:solidFill>
+                  <a:schemeClr val="tx1"/>
+                </a:solidFill>
+                <a:latin typeface="+mn-lt"/>
+              </a:defRPr>
+            </a:lvl9pPr>
+          </a:lstStyle>
+          <a:p>
+            <a:pPr marL="0" indent="0">
+              <a:buFont typeface="Arial" panose="020B0604020202020204" pitchFamily="34" charset="0"/>
+              <a:buNone/>
+            </a:pPr>
+            <a:r>
+              <a:rPr lang="de-DE" altLang="de-DE" b="1" kern="0" dirty="0"/>
+              <a:t>Beispiel:</a:t>
+            </a:r>
+          </a:p>
+          <a:p>
+            <a:pPr marL="0" indent="0">
+              <a:buFont typeface="Arial" panose="020B0604020202020204" pitchFamily="34" charset="0"/>
+              <a:buNone/>
+            </a:pPr>
+            <a:endParaRPr lang="de-DE" altLang="de-DE" kern="0" dirty="0"/>
           </a:p>
         </p:txBody>
       </p:sp>
